--- a/Apresentacao_Spring_Itext_PDF.pptx
+++ b/Apresentacao_Spring_Itext_PDF.pptx
@@ -3834,7 +3834,7 @@
             </a:pPr>
             <a:r>
               <a:rPr lang="pt-BR" dirty="0"/>
-              <a:t>28/09/2021</a:t>
+              <a:t>27/09/2021</a:t>
             </a:r>
             <a:endParaRPr dirty="0"/>
           </a:p>

--- a/Apresentacao_Spring_Itext_PDF.pptx
+++ b/Apresentacao_Spring_Itext_PDF.pptx
@@ -3793,7 +3793,7 @@
             </a:r>
             <a:r>
               <a:rPr lang="pt-BR" sz="2800" dirty="0"/>
-              <a:t> em sua aplicação Java</a:t>
+              <a:t> 7 em sua aplicação Java</a:t>
             </a:r>
           </a:p>
         </p:txBody>
@@ -3834,7 +3834,7 @@
             </a:pPr>
             <a:r>
               <a:rPr lang="pt-BR" dirty="0"/>
-              <a:t>27/09/2021</a:t>
+              <a:t>11/10/2021</a:t>
             </a:r>
             <a:endParaRPr dirty="0"/>
           </a:p>

--- a/Apresentacao_Spring_Itext_PDF.pptx
+++ b/Apresentacao_Spring_Itext_PDF.pptx
@@ -3833,8 +3833,8 @@
               <a:buNone/>
             </a:pPr>
             <a:r>
-              <a:rPr lang="pt-BR" dirty="0"/>
-              <a:t>11/10/2021</a:t>
+              <a:rPr lang="pt-BR"/>
+              <a:t>12/10/2021</a:t>
             </a:r>
             <a:endParaRPr dirty="0"/>
           </a:p>
